--- a/tools/template.pptx
+++ b/tools/template.pptx
@@ -211,7 +211,7 @@
           <a:p>
             <a:fld id="{0F9C1CCF-B725-44A7-AA57-5E433BD85C9F}" type="datetimeFigureOut">
               <a:rPr lang="en-US" smtClean="0"/>
-              <a:t>6/14/2023</a:t>
+              <a:t>6/15/2023</a:t>
             </a:fld>
             <a:endParaRPr lang="en-US"/>
           </a:p>
@@ -903,38 +903,70 @@
         </p:nvSpPr>
         <p:spPr/>
         <p:txBody>
-          <a:bodyPr vert="eaVert"/>
+          <a:bodyPr vert="eaVert">
+            <a:normAutofit/>
+          </a:bodyPr>
           <a:lstStyle>
             <a:lvl1pPr>
-              <a:defRPr>
+              <a:spcBef>
+                <a:spcPts val="400"/>
+              </a:spcBef>
+              <a:spcAft>
+                <a:spcPts val="600"/>
+              </a:spcAft>
+              <a:defRPr sz="2000">
                 <a:solidFill>
                   <a:schemeClr val="bg1"/>
                 </a:solidFill>
               </a:defRPr>
             </a:lvl1pPr>
             <a:lvl2pPr>
-              <a:defRPr>
+              <a:spcBef>
+                <a:spcPts val="400"/>
+              </a:spcBef>
+              <a:spcAft>
+                <a:spcPts val="600"/>
+              </a:spcAft>
+              <a:defRPr sz="2000">
                 <a:solidFill>
                   <a:schemeClr val="bg1"/>
                 </a:solidFill>
               </a:defRPr>
             </a:lvl2pPr>
             <a:lvl3pPr>
-              <a:defRPr>
+              <a:spcBef>
+                <a:spcPts val="400"/>
+              </a:spcBef>
+              <a:spcAft>
+                <a:spcPts val="600"/>
+              </a:spcAft>
+              <a:defRPr sz="1600">
                 <a:solidFill>
                   <a:schemeClr val="bg1"/>
                 </a:solidFill>
               </a:defRPr>
             </a:lvl3pPr>
             <a:lvl4pPr>
-              <a:defRPr>
+              <a:spcBef>
+                <a:spcPts val="400"/>
+              </a:spcBef>
+              <a:spcAft>
+                <a:spcPts val="600"/>
+              </a:spcAft>
+              <a:defRPr sz="1400">
                 <a:solidFill>
                   <a:schemeClr val="bg1"/>
                 </a:solidFill>
               </a:defRPr>
             </a:lvl4pPr>
             <a:lvl5pPr>
-              <a:defRPr>
+              <a:spcBef>
+                <a:spcPts val="400"/>
+              </a:spcBef>
+              <a:spcAft>
+                <a:spcPts val="600"/>
+              </a:spcAft>
+              <a:defRPr sz="1400">
                 <a:solidFill>
                   <a:schemeClr val="bg1"/>
                 </a:solidFill>
@@ -1223,35 +1255,65 @@
           <a:bodyPr vert="eaVert"/>
           <a:lstStyle>
             <a:lvl1pPr>
-              <a:defRPr>
+              <a:spcBef>
+                <a:spcPts val="400"/>
+              </a:spcBef>
+              <a:spcAft>
+                <a:spcPts val="600"/>
+              </a:spcAft>
+              <a:defRPr sz="2000">
                 <a:solidFill>
                   <a:schemeClr val="bg1"/>
                 </a:solidFill>
               </a:defRPr>
             </a:lvl1pPr>
             <a:lvl2pPr>
-              <a:defRPr>
+              <a:spcBef>
+                <a:spcPts val="400"/>
+              </a:spcBef>
+              <a:spcAft>
+                <a:spcPts val="600"/>
+              </a:spcAft>
+              <a:defRPr sz="2000">
                 <a:solidFill>
                   <a:schemeClr val="bg1"/>
                 </a:solidFill>
               </a:defRPr>
             </a:lvl2pPr>
             <a:lvl3pPr>
-              <a:defRPr>
+              <a:spcBef>
+                <a:spcPts val="400"/>
+              </a:spcBef>
+              <a:spcAft>
+                <a:spcPts val="600"/>
+              </a:spcAft>
+              <a:defRPr sz="1600">
                 <a:solidFill>
                   <a:schemeClr val="bg1"/>
                 </a:solidFill>
               </a:defRPr>
             </a:lvl3pPr>
             <a:lvl4pPr>
-              <a:defRPr>
+              <a:spcBef>
+                <a:spcPts val="400"/>
+              </a:spcBef>
+              <a:spcAft>
+                <a:spcPts val="600"/>
+              </a:spcAft>
+              <a:defRPr sz="1400">
                 <a:solidFill>
                   <a:schemeClr val="bg1"/>
                 </a:solidFill>
               </a:defRPr>
             </a:lvl4pPr>
             <a:lvl5pPr>
-              <a:defRPr>
+              <a:spcBef>
+                <a:spcPts val="400"/>
+              </a:spcBef>
+              <a:spcAft>
+                <a:spcPts val="600"/>
+              </a:spcAft>
+              <a:defRPr sz="1400">
                 <a:solidFill>
                   <a:schemeClr val="bg1"/>
                 </a:solidFill>
@@ -1535,6 +1597,12 @@
           <a:bodyPr/>
           <a:lstStyle>
             <a:lvl1pPr>
+              <a:spcBef>
+                <a:spcPts val="400"/>
+              </a:spcBef>
+              <a:spcAft>
+                <a:spcPts val="600"/>
+              </a:spcAft>
               <a:buClr>
                 <a:srgbClr val="FD6435"/>
               </a:buClr>
@@ -1545,6 +1613,12 @@
               </a:defRPr>
             </a:lvl1pPr>
             <a:lvl2pPr>
+              <a:spcBef>
+                <a:spcPts val="400"/>
+              </a:spcBef>
+              <a:spcAft>
+                <a:spcPts val="600"/>
+              </a:spcAft>
               <a:defRPr sz="1800">
                 <a:solidFill>
                   <a:schemeClr val="bg1"/>
@@ -1552,6 +1626,12 @@
               </a:defRPr>
             </a:lvl2pPr>
             <a:lvl3pPr>
+              <a:spcBef>
+                <a:spcPts val="400"/>
+              </a:spcBef>
+              <a:spcAft>
+                <a:spcPts val="600"/>
+              </a:spcAft>
               <a:defRPr sz="1400">
                 <a:solidFill>
                   <a:schemeClr val="bg1"/>
@@ -1559,6 +1639,12 @@
               </a:defRPr>
             </a:lvl3pPr>
             <a:lvl4pPr>
+              <a:spcBef>
+                <a:spcPts val="400"/>
+              </a:spcBef>
+              <a:spcAft>
+                <a:spcPts val="600"/>
+              </a:spcAft>
               <a:defRPr sz="1200">
                 <a:solidFill>
                   <a:schemeClr val="bg1"/>
@@ -1566,6 +1652,12 @@
               </a:defRPr>
             </a:lvl4pPr>
             <a:lvl5pPr>
+              <a:spcBef>
+                <a:spcPts val="400"/>
+              </a:spcBef>
+              <a:spcAft>
+                <a:spcPts val="600"/>
+              </a:spcAft>
               <a:defRPr sz="1200">
                 <a:solidFill>
                   <a:schemeClr val="bg1"/>
@@ -1978,6 +2070,12 @@
           <a:bodyPr/>
           <a:lstStyle>
             <a:lvl1pPr>
+              <a:spcBef>
+                <a:spcPts val="400"/>
+              </a:spcBef>
+              <a:spcAft>
+                <a:spcPts val="600"/>
+              </a:spcAft>
               <a:buClr>
                 <a:srgbClr val="FD6435"/>
               </a:buClr>
@@ -1988,6 +2086,12 @@
               </a:defRPr>
             </a:lvl1pPr>
             <a:lvl2pPr>
+              <a:spcBef>
+                <a:spcPts val="400"/>
+              </a:spcBef>
+              <a:spcAft>
+                <a:spcPts val="600"/>
+              </a:spcAft>
               <a:buClr>
                 <a:srgbClr val="FD6435"/>
               </a:buClr>
@@ -1998,6 +2102,12 @@
               </a:defRPr>
             </a:lvl2pPr>
             <a:lvl3pPr>
+              <a:spcBef>
+                <a:spcPts val="400"/>
+              </a:spcBef>
+              <a:spcAft>
+                <a:spcPts val="600"/>
+              </a:spcAft>
               <a:defRPr sz="1400">
                 <a:solidFill>
                   <a:schemeClr val="bg1"/>
@@ -2005,6 +2115,12 @@
               </a:defRPr>
             </a:lvl3pPr>
             <a:lvl4pPr>
+              <a:spcBef>
+                <a:spcPts val="400"/>
+              </a:spcBef>
+              <a:spcAft>
+                <a:spcPts val="600"/>
+              </a:spcAft>
               <a:defRPr sz="1200">
                 <a:solidFill>
                   <a:schemeClr val="bg1"/>
@@ -2012,6 +2128,12 @@
               </a:defRPr>
             </a:lvl4pPr>
             <a:lvl5pPr>
+              <a:spcBef>
+                <a:spcPts val="400"/>
+              </a:spcBef>
+              <a:spcAft>
+                <a:spcPts val="600"/>
+              </a:spcAft>
               <a:defRPr sz="1200">
                 <a:solidFill>
                   <a:schemeClr val="bg1"/>
@@ -2088,6 +2210,12 @@
           <a:bodyPr/>
           <a:lstStyle>
             <a:lvl1pPr>
+              <a:spcBef>
+                <a:spcPts val="400"/>
+              </a:spcBef>
+              <a:spcAft>
+                <a:spcPts val="600"/>
+              </a:spcAft>
               <a:buClr>
                 <a:srgbClr val="FD6435"/>
               </a:buClr>
@@ -2098,6 +2226,12 @@
               </a:defRPr>
             </a:lvl1pPr>
             <a:lvl2pPr>
+              <a:spcBef>
+                <a:spcPts val="400"/>
+              </a:spcBef>
+              <a:spcAft>
+                <a:spcPts val="600"/>
+              </a:spcAft>
               <a:buClr>
                 <a:srgbClr val="FD6435"/>
               </a:buClr>
@@ -2108,6 +2242,12 @@
               </a:defRPr>
             </a:lvl2pPr>
             <a:lvl3pPr>
+              <a:spcBef>
+                <a:spcPts val="400"/>
+              </a:spcBef>
+              <a:spcAft>
+                <a:spcPts val="600"/>
+              </a:spcAft>
               <a:defRPr sz="1400">
                 <a:solidFill>
                   <a:schemeClr val="bg1"/>
@@ -2115,6 +2255,12 @@
               </a:defRPr>
             </a:lvl3pPr>
             <a:lvl4pPr>
+              <a:spcBef>
+                <a:spcPts val="400"/>
+              </a:spcBef>
+              <a:spcAft>
+                <a:spcPts val="600"/>
+              </a:spcAft>
               <a:defRPr sz="1200">
                 <a:solidFill>
                   <a:schemeClr val="bg1"/>
@@ -2122,6 +2268,12 @@
               </a:defRPr>
             </a:lvl4pPr>
             <a:lvl5pPr>
+              <a:spcBef>
+                <a:spcPts val="400"/>
+              </a:spcBef>
+              <a:spcAft>
+                <a:spcPts val="600"/>
+              </a:spcAft>
               <a:defRPr sz="1200">
                 <a:solidFill>
                   <a:schemeClr val="bg1"/>
@@ -2403,6 +2555,12 @@
           <a:bodyPr/>
           <a:lstStyle>
             <a:lvl1pPr>
+              <a:spcBef>
+                <a:spcPts val="400"/>
+              </a:spcBef>
+              <a:spcAft>
+                <a:spcPts val="600"/>
+              </a:spcAft>
               <a:buClr>
                 <a:srgbClr val="FD6435"/>
               </a:buClr>
@@ -2413,6 +2571,12 @@
               </a:defRPr>
             </a:lvl1pPr>
             <a:lvl2pPr>
+              <a:spcBef>
+                <a:spcPts val="400"/>
+              </a:spcBef>
+              <a:spcAft>
+                <a:spcPts val="600"/>
+              </a:spcAft>
               <a:defRPr sz="1400">
                 <a:solidFill>
                   <a:schemeClr val="bg1"/>
@@ -2420,6 +2584,12 @@
               </a:defRPr>
             </a:lvl2pPr>
             <a:lvl3pPr>
+              <a:spcBef>
+                <a:spcPts val="400"/>
+              </a:spcBef>
+              <a:spcAft>
+                <a:spcPts val="600"/>
+              </a:spcAft>
               <a:defRPr sz="1200">
                 <a:solidFill>
                   <a:schemeClr val="bg1"/>
@@ -2427,6 +2597,12 @@
               </a:defRPr>
             </a:lvl3pPr>
             <a:lvl4pPr>
+              <a:spcBef>
+                <a:spcPts val="400"/>
+              </a:spcBef>
+              <a:spcAft>
+                <a:spcPts val="600"/>
+              </a:spcAft>
               <a:defRPr sz="1100">
                 <a:solidFill>
                   <a:schemeClr val="bg1"/>
@@ -2434,6 +2610,12 @@
               </a:defRPr>
             </a:lvl4pPr>
             <a:lvl5pPr>
+              <a:spcBef>
+                <a:spcPts val="400"/>
+              </a:spcBef>
+              <a:spcAft>
+                <a:spcPts val="600"/>
+              </a:spcAft>
               <a:defRPr sz="1100">
                 <a:solidFill>
                   <a:schemeClr val="bg1"/>
@@ -2581,6 +2763,12 @@
           </a:bodyPr>
           <a:lstStyle>
             <a:lvl1pPr>
+              <a:spcBef>
+                <a:spcPts val="400"/>
+              </a:spcBef>
+              <a:spcAft>
+                <a:spcPts val="600"/>
+              </a:spcAft>
               <a:defRPr sz="1600">
                 <a:solidFill>
                   <a:schemeClr val="bg1"/>
@@ -2588,6 +2776,12 @@
               </a:defRPr>
             </a:lvl1pPr>
             <a:lvl2pPr>
+              <a:spcBef>
+                <a:spcPts val="400"/>
+              </a:spcBef>
+              <a:spcAft>
+                <a:spcPts val="600"/>
+              </a:spcAft>
               <a:defRPr sz="1400">
                 <a:solidFill>
                   <a:schemeClr val="bg1"/>
@@ -2595,6 +2789,12 @@
               </a:defRPr>
             </a:lvl2pPr>
             <a:lvl3pPr>
+              <a:spcBef>
+                <a:spcPts val="400"/>
+              </a:spcBef>
+              <a:spcAft>
+                <a:spcPts val="600"/>
+              </a:spcAft>
               <a:defRPr sz="1200">
                 <a:solidFill>
                   <a:schemeClr val="bg1"/>
@@ -2602,6 +2802,12 @@
               </a:defRPr>
             </a:lvl3pPr>
             <a:lvl4pPr>
+              <a:spcBef>
+                <a:spcPts val="400"/>
+              </a:spcBef>
+              <a:spcAft>
+                <a:spcPts val="600"/>
+              </a:spcAft>
               <a:defRPr sz="1100">
                 <a:solidFill>
                   <a:schemeClr val="bg1"/>
@@ -2609,6 +2815,12 @@
               </a:defRPr>
             </a:lvl4pPr>
             <a:lvl5pPr>
+              <a:spcBef>
+                <a:spcPts val="400"/>
+              </a:spcBef>
+              <a:spcAft>
+                <a:spcPts val="600"/>
+              </a:spcAft>
               <a:defRPr sz="1100">
                 <a:solidFill>
                   <a:schemeClr val="bg1"/>
@@ -3103,35 +3315,65 @@
           <a:bodyPr/>
           <a:lstStyle>
             <a:lvl1pPr>
-              <a:defRPr sz="2400">
+              <a:spcBef>
+                <a:spcPts val="400"/>
+              </a:spcBef>
+              <a:spcAft>
+                <a:spcPts val="600"/>
+              </a:spcAft>
+              <a:defRPr sz="2000">
                 <a:solidFill>
                   <a:schemeClr val="bg1"/>
                 </a:solidFill>
               </a:defRPr>
             </a:lvl1pPr>
             <a:lvl2pPr>
-              <a:defRPr sz="2100">
+              <a:spcBef>
+                <a:spcPts val="400"/>
+              </a:spcBef>
+              <a:spcAft>
+                <a:spcPts val="600"/>
+              </a:spcAft>
+              <a:defRPr sz="2000">
                 <a:solidFill>
                   <a:schemeClr val="bg1"/>
                 </a:solidFill>
               </a:defRPr>
             </a:lvl2pPr>
             <a:lvl3pPr>
-              <a:defRPr sz="1800">
+              <a:spcBef>
+                <a:spcPts val="400"/>
+              </a:spcBef>
+              <a:spcAft>
+                <a:spcPts val="600"/>
+              </a:spcAft>
+              <a:defRPr sz="1600">
                 <a:solidFill>
                   <a:schemeClr val="bg1"/>
                 </a:solidFill>
               </a:defRPr>
             </a:lvl3pPr>
             <a:lvl4pPr>
-              <a:defRPr sz="1500">
+              <a:spcBef>
+                <a:spcPts val="400"/>
+              </a:spcBef>
+              <a:spcAft>
+                <a:spcPts val="600"/>
+              </a:spcAft>
+              <a:defRPr sz="1400">
                 <a:solidFill>
                   <a:schemeClr val="bg1"/>
                 </a:solidFill>
               </a:defRPr>
             </a:lvl4pPr>
             <a:lvl5pPr>
-              <a:defRPr sz="1500">
+              <a:spcBef>
+                <a:spcPts val="400"/>
+              </a:spcBef>
+              <a:spcAft>
+                <a:spcPts val="600"/>
+              </a:spcAft>
+              <a:defRPr sz="1400">
                 <a:solidFill>
                   <a:schemeClr val="bg1"/>
                 </a:solidFill>
@@ -3330,25 +3572,32 @@
             <a:spLocks noGrp="1"/>
           </p:cNvSpPr>
           <p:nvPr>
-            <p:ph type="body" idx="10"/>
+            <p:ph type="body" idx="10" hasCustomPrompt="1"/>
           </p:nvPr>
         </p:nvSpPr>
         <p:spPr>
           <a:xfrm>
-            <a:off x="457200" y="1151335"/>
-            <a:ext cx="4040188" cy="479822"/>
+            <a:off x="457200" y="1631156"/>
+            <a:ext cx="4040188" cy="2963467"/>
           </a:xfrm>
         </p:spPr>
         <p:txBody>
-          <a:bodyPr anchor="b"/>
+          <a:bodyPr anchor="t"/>
           <a:lstStyle>
-            <a:lvl1pPr marL="0" indent="0">
-              <a:buNone/>
-              <a:defRPr sz="1800" b="1" baseline="0">
-                <a:solidFill>
-                  <a:srgbClr val="FD6435"/>
-                </a:solidFill>
-                <a:latin typeface="+Заголовок 2"/>
+            <a:lvl1pPr marL="285750" indent="-285750">
+              <a:spcBef>
+                <a:spcPts val="400"/>
+              </a:spcBef>
+              <a:spcAft>
+                <a:spcPts val="600"/>
+              </a:spcAft>
+              <a:buFont typeface="Arial" panose="020B0604020202020204" pitchFamily="34" charset="0"/>
+              <a:buChar char="•"/>
+              <a:defRPr sz="1800" b="0" baseline="0">
+                <a:solidFill>
+                  <a:schemeClr val="bg1"/>
+                </a:solidFill>
+                <a:latin typeface="+mn-lt"/>
               </a:defRPr>
             </a:lvl1pPr>
             <a:lvl2pPr marL="342900" indent="0">
@@ -3382,91 +3631,6 @@
             <a:lvl9pPr marL="2743200" indent="0">
               <a:buNone/>
               <a:defRPr sz="1200" b="1"/>
-            </a:lvl9pPr>
-          </a:lstStyle>
-          <a:p>
-            <a:pPr lvl="0"/>
-            <a:r>
-              <a:rPr lang="en-US" dirty="0"/>
-              <a:t>Click to edit Master text styles</a:t>
-            </a:r>
-          </a:p>
-        </p:txBody>
-      </p:sp>
-      <p:sp>
-        <p:nvSpPr>
-          <p:cNvPr id="7" name="Content Placeholder 3">
-            <a:extLst>
-              <a:ext uri="{FF2B5EF4-FFF2-40B4-BE49-F238E27FC236}">
-                <a16:creationId xmlns:a16="http://schemas.microsoft.com/office/drawing/2014/main" id="{95CFA527-AF59-94AE-9BAC-8EE3F5FB1FDC}"/>
-              </a:ext>
-            </a:extLst>
-          </p:cNvPr>
-          <p:cNvSpPr>
-            <a:spLocks noGrp="1"/>
-          </p:cNvSpPr>
-          <p:nvPr>
-            <p:ph sz="half" idx="2"/>
-          </p:nvPr>
-        </p:nvSpPr>
-        <p:spPr>
-          <a:xfrm>
-            <a:off x="457200" y="1631156"/>
-            <a:ext cx="4040188" cy="2963466"/>
-          </a:xfrm>
-        </p:spPr>
-        <p:txBody>
-          <a:bodyPr/>
-          <a:lstStyle>
-            <a:lvl1pPr>
-              <a:buClr>
-                <a:srgbClr val="FD6435"/>
-              </a:buClr>
-              <a:defRPr sz="1800">
-                <a:solidFill>
-                  <a:schemeClr val="bg1"/>
-                </a:solidFill>
-              </a:defRPr>
-            </a:lvl1pPr>
-            <a:lvl2pPr>
-              <a:defRPr sz="1500">
-                <a:solidFill>
-                  <a:schemeClr val="bg1"/>
-                </a:solidFill>
-              </a:defRPr>
-            </a:lvl2pPr>
-            <a:lvl3pPr>
-              <a:defRPr sz="1350">
-                <a:solidFill>
-                  <a:schemeClr val="bg1"/>
-                </a:solidFill>
-              </a:defRPr>
-            </a:lvl3pPr>
-            <a:lvl4pPr>
-              <a:defRPr sz="1200">
-                <a:solidFill>
-                  <a:schemeClr val="bg1"/>
-                </a:solidFill>
-              </a:defRPr>
-            </a:lvl4pPr>
-            <a:lvl5pPr>
-              <a:defRPr sz="1200">
-                <a:solidFill>
-                  <a:schemeClr val="bg1"/>
-                </a:solidFill>
-              </a:defRPr>
-            </a:lvl5pPr>
-            <a:lvl6pPr>
-              <a:defRPr sz="1200"/>
-            </a:lvl6pPr>
-            <a:lvl7pPr>
-              <a:defRPr sz="1200"/>
-            </a:lvl7pPr>
-            <a:lvl8pPr>
-              <a:defRPr sz="1200"/>
-            </a:lvl8pPr>
-            <a:lvl9pPr>
-              <a:defRPr sz="1200"/>
             </a:lvl9pPr>
           </a:lstStyle>
           <a:p>
@@ -3680,6 +3844,12 @@
           <a:bodyPr/>
           <a:lstStyle>
             <a:lvl1pPr marL="0" indent="0">
+              <a:spcBef>
+                <a:spcPts val="200"/>
+              </a:spcBef>
+              <a:spcAft>
+                <a:spcPts val="300"/>
+              </a:spcAft>
               <a:buNone/>
               <a:defRPr sz="1050">
                 <a:solidFill>
@@ -4093,8 +4263,12 @@
           <a:p>
             <a:pPr lvl="1"/>
             <a:r>
-              <a:rPr lang="en-US" dirty="0"/>
-              <a:t>Second level</a:t>
+              <a:rPr lang="en-US"/>
+              <a:t>Second </a:t>
+            </a:r>
+            <a:r>
+              <a:rPr lang="en-US" dirty="0"/>
+              <a:t>level</a:t>
             </a:r>
           </a:p>
           <a:p>
@@ -4207,14 +4381,17 @@
     <p:bodyStyle>
       <a:lvl1pPr marL="342900" indent="-342900" algn="l" defTabSz="342900" rtl="0" eaLnBrk="1" latinLnBrk="0" hangingPunct="1">
         <a:spcBef>
-          <a:spcPct val="20000"/>
+          <a:spcPts val="400"/>
         </a:spcBef>
+        <a:spcAft>
+          <a:spcPts val="600"/>
+        </a:spcAft>
         <a:buClr>
           <a:srgbClr val="FD6435"/>
         </a:buClr>
         <a:buFont typeface="Arial"/>
         <a:buChar char="•"/>
-        <a:defRPr sz="2400" kern="1200">
+        <a:defRPr sz="2000" kern="1200">
           <a:solidFill>
             <a:schemeClr val="bg1"/>
           </a:solidFill>
@@ -4225,14 +4402,17 @@
       </a:lvl1pPr>
       <a:lvl2pPr marL="685800" indent="-342900" algn="l" defTabSz="342900" rtl="0" eaLnBrk="1" latinLnBrk="0" hangingPunct="1">
         <a:spcBef>
-          <a:spcPct val="20000"/>
+          <a:spcPts val="400"/>
         </a:spcBef>
+        <a:spcAft>
+          <a:spcPts val="600"/>
+        </a:spcAft>
         <a:buClr>
           <a:srgbClr val="FD6435"/>
         </a:buClr>
         <a:buFont typeface="Arial"/>
         <a:buChar char="–"/>
-        <a:defRPr sz="2100" kern="1200">
+        <a:defRPr sz="2000" kern="1200">
           <a:solidFill>
             <a:schemeClr val="bg1"/>
           </a:solidFill>
@@ -4243,11 +4423,14 @@
       </a:lvl2pPr>
       <a:lvl3pPr marL="1028700" indent="-342900" algn="l" defTabSz="342900" rtl="0" eaLnBrk="1" latinLnBrk="0" hangingPunct="1">
         <a:spcBef>
-          <a:spcPct val="20000"/>
+          <a:spcPts val="400"/>
         </a:spcBef>
+        <a:spcAft>
+          <a:spcPts val="600"/>
+        </a:spcAft>
         <a:buFont typeface="Arial"/>
         <a:buChar char="•"/>
-        <a:defRPr sz="1800" kern="1200">
+        <a:defRPr sz="1600" kern="1200">
           <a:solidFill>
             <a:schemeClr val="bg1"/>
           </a:solidFill>
@@ -4258,11 +4441,14 @@
       </a:lvl3pPr>
       <a:lvl4pPr marL="1371600" indent="-342900" algn="l" defTabSz="342900" rtl="0" eaLnBrk="1" latinLnBrk="0" hangingPunct="1">
         <a:spcBef>
-          <a:spcPct val="20000"/>
+          <a:spcPts val="400"/>
         </a:spcBef>
+        <a:spcAft>
+          <a:spcPts val="600"/>
+        </a:spcAft>
         <a:buFont typeface="Arial"/>
         <a:buChar char="–"/>
-        <a:defRPr sz="1500" kern="1200">
+        <a:defRPr sz="1400" kern="1200">
           <a:solidFill>
             <a:schemeClr val="bg1"/>
           </a:solidFill>
@@ -4273,11 +4459,14 @@
       </a:lvl4pPr>
       <a:lvl5pPr marL="1714500" indent="-342900" algn="l" defTabSz="342900" rtl="0" eaLnBrk="1" latinLnBrk="0" hangingPunct="1">
         <a:spcBef>
-          <a:spcPct val="20000"/>
+          <a:spcPts val="400"/>
         </a:spcBef>
+        <a:spcAft>
+          <a:spcPts val="600"/>
+        </a:spcAft>
         <a:buFont typeface="Arial"/>
         <a:buChar char="»"/>
-        <a:defRPr sz="1500" kern="1200">
+        <a:defRPr sz="1400" kern="1200">
           <a:solidFill>
             <a:schemeClr val="bg1"/>
           </a:solidFill>
@@ -4824,9 +5013,9 @@
 <file path=ppt/theme/theme1.xml><?xml version="1.0" encoding="utf-8"?>
 <a:theme xmlns:a="http://schemas.openxmlformats.org/drawingml/2006/main" name="Office Theme">
   <a:themeElements>
-    <a:clrScheme name="Office">
+    <a:clrScheme name="Otus Dark">
       <a:dk1>
-        <a:sysClr val="windowText" lastClr="000000"/>
+        <a:srgbClr val="BFBFBF"/>
       </a:dk1>
       <a:lt1>
         <a:sysClr val="window" lastClr="FFFFFF"/>
@@ -4838,7 +5027,7 @@
         <a:srgbClr val="EEECE1"/>
       </a:lt2>
       <a:accent1>
-        <a:srgbClr val="4F81BD"/>
+        <a:srgbClr val="BFBFBF"/>
       </a:accent1>
       <a:accent2>
         <a:srgbClr val="C0504D"/>
@@ -4856,10 +5045,10 @@
         <a:srgbClr val="F79646"/>
       </a:accent6>
       <a:hlink>
-        <a:srgbClr val="0000FF"/>
+        <a:srgbClr val="F16033"/>
       </a:hlink>
       <a:folHlink>
-        <a:srgbClr val="800080"/>
+        <a:srgbClr val="F1334C"/>
       </a:folHlink>
     </a:clrScheme>
     <a:fontScheme name="Otus">

--- a/tools/template.pptx
+++ b/tools/template.pptx
@@ -211,7 +211,7 @@
           <a:p>
             <a:fld id="{0F9C1CCF-B725-44A7-AA57-5E433BD85C9F}" type="datetimeFigureOut">
               <a:rPr lang="en-US" smtClean="0"/>
-              <a:t>6/15/2023</a:t>
+              <a:t>6/16/2023</a:t>
             </a:fld>
             <a:endParaRPr lang="en-US"/>
           </a:p>
@@ -4171,15 +4171,9 @@
   <p:cSld>
     <p:bg>
       <p:bgPr>
-        <a:blipFill dpi="0" rotWithShape="1">
-          <a:blip r:embed="rId13">
-            <a:lum/>
-          </a:blip>
-          <a:srcRect/>
-          <a:stretch>
-            <a:fillRect/>
-          </a:stretch>
-        </a:blipFill>
+        <a:solidFill>
+          <a:srgbClr val="212121"/>
+        </a:solidFill>
         <a:effectLst/>
       </p:bgPr>
     </p:bg>
@@ -4263,12 +4257,8 @@
           <a:p>
             <a:pPr lvl="1"/>
             <a:r>
-              <a:rPr lang="en-US"/>
-              <a:t>Second </a:t>
-            </a:r>
-            <a:r>
-              <a:rPr lang="en-US" dirty="0"/>
-              <a:t>level</a:t>
+              <a:rPr lang="en-US" dirty="0"/>
+              <a:t>Second level</a:t>
             </a:r>
           </a:p>
           <a:p>
